--- a/workshop slides.pptx
+++ b/workshop slides.pptx
@@ -5,13 +5,15 @@
     <p:sldMasterId id="2147483648" r:id="rId1"/>
   </p:sldMasterIdLst>
   <p:notesMasterIdLst>
-    <p:notesMasterId r:id="rId6"/>
+    <p:notesMasterId r:id="rId8"/>
   </p:notesMasterIdLst>
   <p:sldIdLst>
     <p:sldId id="256" r:id="rId2"/>
-    <p:sldId id="260" r:id="rId3"/>
-    <p:sldId id="262" r:id="rId4"/>
-    <p:sldId id="259" r:id="rId5"/>
+    <p:sldId id="263" r:id="rId3"/>
+    <p:sldId id="260" r:id="rId4"/>
+    <p:sldId id="262" r:id="rId5"/>
+    <p:sldId id="259" r:id="rId6"/>
+    <p:sldId id="264" r:id="rId7"/>
   </p:sldIdLst>
   <p:sldSz cx="9144000" cy="5143500" type="screen16x9"/>
   <p:notesSz cx="6858000" cy="9144000"/>
@@ -255,7 +257,7 @@
           <a:p>
             <a:fld id="{67A2347A-62B6-4270-9D48-A52CBE2BB651}" type="datetimeFigureOut">
               <a:rPr lang="en-US" smtClean="0"/>
-              <a:t>1/16/2023</a:t>
+              <a:t>1/17/2023</a:t>
             </a:fld>
             <a:endParaRPr lang="en-US"/>
           </a:p>
@@ -701,7 +703,7 @@
           <a:p>
             <a:fld id="{7463C41C-A487-0C45-A261-16903102544D}" type="datetimeFigureOut">
               <a:rPr lang="en-US" smtClean="0"/>
-              <a:t>1/16/2023</a:t>
+              <a:t>1/17/2023</a:t>
             </a:fld>
             <a:endParaRPr lang="en-US"/>
           </a:p>
@@ -849,7 +851,7 @@
           <a:p>
             <a:fld id="{7463C41C-A487-0C45-A261-16903102544D}" type="datetimeFigureOut">
               <a:rPr lang="en-US" smtClean="0"/>
-              <a:t>1/16/2023</a:t>
+              <a:t>1/17/2023</a:t>
             </a:fld>
             <a:endParaRPr lang="en-US"/>
           </a:p>
@@ -1074,7 +1076,7 @@
           <a:p>
             <a:fld id="{7463C41C-A487-0C45-A261-16903102544D}" type="datetimeFigureOut">
               <a:rPr lang="en-US" smtClean="0"/>
-              <a:t>1/16/2023</a:t>
+              <a:t>1/17/2023</a:t>
             </a:fld>
             <a:endParaRPr lang="en-US"/>
           </a:p>
@@ -1339,7 +1341,7 @@
           <a:p>
             <a:fld id="{7463C41C-A487-0C45-A261-16903102544D}" type="datetimeFigureOut">
               <a:rPr lang="en-US" smtClean="0"/>
-              <a:t>1/16/2023</a:t>
+              <a:t>1/17/2023</a:t>
             </a:fld>
             <a:endParaRPr lang="en-US"/>
           </a:p>
@@ -1738,7 +1740,7 @@
           <a:p>
             <a:fld id="{7463C41C-A487-0C45-A261-16903102544D}" type="datetimeFigureOut">
               <a:rPr lang="en-US" smtClean="0"/>
-              <a:t>1/16/2023</a:t>
+              <a:t>1/17/2023</a:t>
             </a:fld>
             <a:endParaRPr lang="en-US"/>
           </a:p>
@@ -1835,7 +1837,7 @@
           <a:p>
             <a:fld id="{7463C41C-A487-0C45-A261-16903102544D}" type="datetimeFigureOut">
               <a:rPr lang="en-US" smtClean="0"/>
-              <a:t>1/16/2023</a:t>
+              <a:t>1/17/2023</a:t>
             </a:fld>
             <a:endParaRPr lang="en-US"/>
           </a:p>
@@ -1910,7 +1912,7 @@
           <a:p>
             <a:fld id="{7463C41C-A487-0C45-A261-16903102544D}" type="datetimeFigureOut">
               <a:rPr lang="en-US" smtClean="0"/>
-              <a:t>1/16/2023</a:t>
+              <a:t>1/17/2023</a:t>
             </a:fld>
             <a:endParaRPr lang="en-US"/>
           </a:p>
@@ -2165,7 +2167,7 @@
           <a:p>
             <a:fld id="{7463C41C-A487-0C45-A261-16903102544D}" type="datetimeFigureOut">
               <a:rPr lang="en-US" smtClean="0"/>
-              <a:t>1/16/2023</a:t>
+              <a:t>1/17/2023</a:t>
             </a:fld>
             <a:endParaRPr lang="en-US"/>
           </a:p>
@@ -2543,7 +2545,7 @@
           <a:p>
             <a:fld id="{7463C41C-A487-0C45-A261-16903102544D}" type="datetimeFigureOut">
               <a:rPr lang="en-US" smtClean="0"/>
-              <a:t>1/16/2023</a:t>
+              <a:t>1/17/2023</a:t>
             </a:fld>
             <a:endParaRPr lang="en-US"/>
           </a:p>
@@ -3065,7 +3067,7 @@
         </p:nvSpPr>
         <p:spPr>
           <a:xfrm>
-            <a:off x="6806293" y="2237015"/>
+            <a:off x="6056199" y="2965676"/>
             <a:ext cx="2220686" cy="1567543"/>
           </a:xfrm>
           <a:prstGeom prst="rect">
@@ -3138,6 +3140,80 @@
       </p:grpSpPr>
       <p:sp>
         <p:nvSpPr>
+          <p:cNvPr id="2" name="Title 1"/>
+          <p:cNvSpPr>
+            <a:spLocks noGrp="1"/>
+          </p:cNvSpPr>
+          <p:nvPr>
+            <p:ph type="title"/>
+          </p:nvPr>
+        </p:nvSpPr>
+        <p:spPr/>
+        <p:txBody>
+          <a:bodyPr>
+            <a:normAutofit fontScale="90000"/>
+          </a:bodyPr>
+          <a:lstStyle/>
+          <a:p>
+            <a:r>
+              <a:rPr lang="en-US" dirty="0" smtClean="0"/>
+              <a:t>Introduce yourself to your neighbors</a:t>
+            </a:r>
+            <a:endParaRPr lang="en-US" dirty="0"/>
+          </a:p>
+        </p:txBody>
+      </p:sp>
+      <p:sp>
+        <p:nvSpPr>
+          <p:cNvPr id="3" name="Text Placeholder 2"/>
+          <p:cNvSpPr>
+            <a:spLocks noGrp="1"/>
+          </p:cNvSpPr>
+          <p:nvPr>
+            <p:ph type="body" idx="1"/>
+          </p:nvPr>
+        </p:nvSpPr>
+        <p:spPr/>
+        <p:txBody>
+          <a:bodyPr/>
+          <a:lstStyle/>
+          <a:p>
+            <a:endParaRPr lang="en-US" dirty="0"/>
+          </a:p>
+        </p:txBody>
+      </p:sp>
+    </p:spTree>
+    <p:extLst>
+      <p:ext uri="{BB962C8B-B14F-4D97-AF65-F5344CB8AC3E}">
+        <p14:creationId xmlns:p14="http://schemas.microsoft.com/office/powerpoint/2010/main" val="1566809989"/>
+      </p:ext>
+    </p:extLst>
+  </p:cSld>
+  <p:clrMapOvr>
+    <a:masterClrMapping/>
+  </p:clrMapOvr>
+</p:sld>
+</file>
+
+<file path=ppt/slides/slide3.xml><?xml version="1.0" encoding="utf-8"?>
+<p:sld xmlns:a="http://schemas.openxmlformats.org/drawingml/2006/main" xmlns:r="http://schemas.openxmlformats.org/officeDocument/2006/relationships" xmlns:p="http://schemas.openxmlformats.org/presentationml/2006/main">
+  <p:cSld>
+    <p:spTree>
+      <p:nvGrpSpPr>
+        <p:cNvPr id="1" name=""/>
+        <p:cNvGrpSpPr/>
+        <p:nvPr/>
+      </p:nvGrpSpPr>
+      <p:grpSpPr>
+        <a:xfrm>
+          <a:off x="0" y="0"/>
+          <a:ext cx="0" cy="0"/>
+          <a:chOff x="0" y="0"/>
+          <a:chExt cx="0" cy="0"/>
+        </a:xfrm>
+      </p:grpSpPr>
+      <p:sp>
+        <p:nvSpPr>
           <p:cNvPr id="2" name="Title 1">
             <a:extLst>
               <a:ext uri="{FF2B5EF4-FFF2-40B4-BE49-F238E27FC236}">
@@ -3249,7 +3325,7 @@
         </p:spPr>
       </p:pic>
       <mc:AlternateContent xmlns:mc="http://schemas.openxmlformats.org/markup-compatibility/2006">
-        <mc:Choice xmlns:p14="http://schemas.microsoft.com/office/powerpoint/2010/main" xmlns:aink="http://schemas.microsoft.com/office/drawing/2016/ink" Requires="p14 aink">
+        <mc:Choice xmlns:aink="http://schemas.microsoft.com/office/drawing/2016/ink" xmlns:p14="http://schemas.microsoft.com/office/powerpoint/2010/main" xmlns="" Requires="p14 aink">
           <p:contentPart p14:bwMode="auto" r:id="rId3">
             <p14:nvContentPartPr>
               <p14:cNvPr id="20" name="Ink 19">
@@ -3349,7 +3425,7 @@
 </p:sld>
 </file>
 
-<file path=ppt/slides/slide3.xml><?xml version="1.0" encoding="utf-8"?>
+<file path=ppt/slides/slide4.xml><?xml version="1.0" encoding="utf-8"?>
 <p:sld xmlns:a="http://schemas.openxmlformats.org/drawingml/2006/main" xmlns:r="http://schemas.openxmlformats.org/officeDocument/2006/relationships" xmlns:p="http://schemas.openxmlformats.org/presentationml/2006/main">
   <p:cSld>
     <p:spTree>
@@ -3366,37 +3442,6 @@
           <a:chExt cx="0" cy="0"/>
         </a:xfrm>
       </p:grpSpPr>
-      <p:sp>
-        <p:nvSpPr>
-          <p:cNvPr id="2" name="Title 1">
-            <a:extLst>
-              <a:ext uri="{FF2B5EF4-FFF2-40B4-BE49-F238E27FC236}">
-                <a16:creationId xmlns:a16="http://schemas.microsoft.com/office/drawing/2014/main" id="{7D7A80B5-5357-EFB1-0ABB-D5DFA8CE34B8}"/>
-              </a:ext>
-            </a:extLst>
-          </p:cNvPr>
-          <p:cNvSpPr>
-            <a:spLocks noGrp="1"/>
-          </p:cNvSpPr>
-          <p:nvPr>
-            <p:ph type="title"/>
-          </p:nvPr>
-        </p:nvSpPr>
-        <p:spPr/>
-        <p:txBody>
-          <a:bodyPr>
-            <a:normAutofit fontScale="90000"/>
-          </a:bodyPr>
-          <a:lstStyle/>
-          <a:p>
-            <a:r>
-              <a:rPr lang="en-US" dirty="0" err="1"/>
-              <a:t>MolSSI</a:t>
-            </a:r>
-            <a:endParaRPr lang="en-US" dirty="0"/>
-          </a:p>
-        </p:txBody>
-      </p:sp>
       <p:pic>
         <p:nvPicPr>
           <p:cNvPr id="5" name="Content Placeholder 4">
@@ -3421,7 +3466,7 @@
         </p:blipFill>
         <p:spPr>
           <a:xfrm>
-            <a:off x="1906709" y="1609725"/>
+            <a:off x="1906709" y="1081087"/>
             <a:ext cx="5330582" cy="2984500"/>
           </a:xfrm>
         </p:spPr>
@@ -3439,7 +3484,7 @@
 </p:sld>
 </file>
 
-<file path=ppt/slides/slide4.xml><?xml version="1.0" encoding="utf-8"?>
+<file path=ppt/slides/slide5.xml><?xml version="1.0" encoding="utf-8"?>
 <p:sld xmlns:a="http://schemas.openxmlformats.org/drawingml/2006/main" xmlns:r="http://schemas.openxmlformats.org/officeDocument/2006/relationships" xmlns:p="http://schemas.openxmlformats.org/presentationml/2006/main">
   <p:cSld>
     <p:spTree>
@@ -3592,7 +3637,7 @@
           <a:blip r:embed="rId2">
             <a:extLst>
               <a:ext uri="{96DAC541-7B7A-43D3-8B79-37D633B846F1}">
-                <asvg:svgBlip xmlns:asvg="http://schemas.microsoft.com/office/drawing/2016/SVG/main" r:embed="rId3"/>
+                <asvg:svgBlip xmlns:asvg="http://schemas.microsoft.com/office/drawing/2016/SVG/main" xmlns="" r:embed="rId3"/>
               </a:ext>
             </a:extLst>
           </a:blip>
@@ -3660,6 +3705,177 @@
     <p:extLst>
       <p:ext uri="{BB962C8B-B14F-4D97-AF65-F5344CB8AC3E}">
         <p14:creationId xmlns:p14="http://schemas.microsoft.com/office/powerpoint/2010/main" val="324069374"/>
+      </p:ext>
+    </p:extLst>
+  </p:cSld>
+  <p:clrMapOvr>
+    <a:masterClrMapping/>
+  </p:clrMapOvr>
+</p:sld>
+</file>
+
+<file path=ppt/slides/slide6.xml><?xml version="1.0" encoding="utf-8"?>
+<p:sld xmlns:a="http://schemas.openxmlformats.org/drawingml/2006/main" xmlns:r="http://schemas.openxmlformats.org/officeDocument/2006/relationships" xmlns:p="http://schemas.openxmlformats.org/presentationml/2006/main">
+  <p:cSld>
+    <p:spTree>
+      <p:nvGrpSpPr>
+        <p:cNvPr id="1" name=""/>
+        <p:cNvGrpSpPr/>
+        <p:nvPr/>
+      </p:nvGrpSpPr>
+      <p:grpSpPr>
+        <a:xfrm>
+          <a:off x="0" y="0"/>
+          <a:ext cx="0" cy="0"/>
+          <a:chOff x="0" y="0"/>
+          <a:chExt cx="0" cy="0"/>
+        </a:xfrm>
+      </p:grpSpPr>
+      <p:sp>
+        <p:nvSpPr>
+          <p:cNvPr id="2" name="Title 1"/>
+          <p:cNvSpPr>
+            <a:spLocks noGrp="1"/>
+          </p:cNvSpPr>
+          <p:nvPr>
+            <p:ph type="title"/>
+          </p:nvPr>
+        </p:nvSpPr>
+        <p:spPr/>
+        <p:txBody>
+          <a:bodyPr>
+            <a:normAutofit fontScale="90000"/>
+          </a:bodyPr>
+          <a:lstStyle/>
+          <a:p>
+            <a:r>
+              <a:rPr lang="en-US" dirty="0" smtClean="0"/>
+              <a:t>Sticky notes: Put them on your laptop</a:t>
+            </a:r>
+            <a:endParaRPr lang="en-US" dirty="0"/>
+          </a:p>
+        </p:txBody>
+      </p:sp>
+      <p:sp>
+        <p:nvSpPr>
+          <p:cNvPr id="4" name="Rectangle 3"/>
+          <p:cNvSpPr/>
+          <p:nvPr/>
+        </p:nvSpPr>
+        <p:spPr>
+          <a:xfrm>
+            <a:off x="1514475" y="1935956"/>
+            <a:ext cx="1735931" cy="1550194"/>
+          </a:xfrm>
+          <a:prstGeom prst="rect">
+            <a:avLst/>
+          </a:prstGeom>
+          <a:solidFill>
+            <a:srgbClr val="CCFF33"/>
+          </a:solidFill>
+          <a:ln>
+            <a:solidFill>
+              <a:srgbClr val="007176"/>
+            </a:solidFill>
+          </a:ln>
+        </p:spPr>
+        <p:style>
+          <a:lnRef idx="1">
+            <a:schemeClr val="accent1"/>
+          </a:lnRef>
+          <a:fillRef idx="3">
+            <a:schemeClr val="accent1"/>
+          </a:fillRef>
+          <a:effectRef idx="2">
+            <a:schemeClr val="accent1"/>
+          </a:effectRef>
+          <a:fontRef idx="minor">
+            <a:schemeClr val="lt1"/>
+          </a:fontRef>
+        </p:style>
+        <p:txBody>
+          <a:bodyPr rtlCol="0" anchor="ctr"/>
+          <a:lstStyle/>
+          <a:p>
+            <a:pPr algn="ctr"/>
+            <a:r>
+              <a:rPr lang="en-US" dirty="0" smtClean="0">
+                <a:solidFill>
+                  <a:srgbClr val="030000"/>
+                </a:solidFill>
+              </a:rPr>
+              <a:t>This one means you’re good</a:t>
+            </a:r>
+            <a:endParaRPr lang="en-US" dirty="0">
+              <a:solidFill>
+                <a:srgbClr val="030000"/>
+              </a:solidFill>
+            </a:endParaRPr>
+          </a:p>
+        </p:txBody>
+      </p:sp>
+      <p:sp>
+        <p:nvSpPr>
+          <p:cNvPr id="5" name="Rectangle 4"/>
+          <p:cNvSpPr/>
+          <p:nvPr/>
+        </p:nvSpPr>
+        <p:spPr>
+          <a:xfrm>
+            <a:off x="5238751" y="1935956"/>
+            <a:ext cx="1735931" cy="1550194"/>
+          </a:xfrm>
+          <a:prstGeom prst="rect">
+            <a:avLst/>
+          </a:prstGeom>
+          <a:solidFill>
+            <a:srgbClr val="FF5050"/>
+          </a:solidFill>
+          <a:ln>
+            <a:solidFill>
+              <a:srgbClr val="007176"/>
+            </a:solidFill>
+          </a:ln>
+        </p:spPr>
+        <p:style>
+          <a:lnRef idx="1">
+            <a:schemeClr val="accent1"/>
+          </a:lnRef>
+          <a:fillRef idx="3">
+            <a:schemeClr val="accent1"/>
+          </a:fillRef>
+          <a:effectRef idx="2">
+            <a:schemeClr val="accent1"/>
+          </a:effectRef>
+          <a:fontRef idx="minor">
+            <a:schemeClr val="lt1"/>
+          </a:fontRef>
+        </p:style>
+        <p:txBody>
+          <a:bodyPr rtlCol="0" anchor="ctr"/>
+          <a:lstStyle/>
+          <a:p>
+            <a:pPr algn="ctr"/>
+            <a:r>
+              <a:rPr lang="en-US" dirty="0" smtClean="0">
+                <a:solidFill>
+                  <a:srgbClr val="030000"/>
+                </a:solidFill>
+              </a:rPr>
+              <a:t>This one means you need help</a:t>
+            </a:r>
+            <a:endParaRPr lang="en-US" dirty="0">
+              <a:solidFill>
+                <a:srgbClr val="030000"/>
+              </a:solidFill>
+            </a:endParaRPr>
+          </a:p>
+        </p:txBody>
+      </p:sp>
+    </p:spTree>
+    <p:extLst>
+      <p:ext uri="{BB962C8B-B14F-4D97-AF65-F5344CB8AC3E}">
+        <p14:creationId xmlns:p14="http://schemas.microsoft.com/office/powerpoint/2010/main" val="3173236349"/>
       </p:ext>
     </p:extLst>
   </p:cSld>
